--- a/Session-2.pptx
+++ b/Session-2.pptx
@@ -7,20 +7,19 @@
   <p:sldIdLst>
     <p:sldId id="256" r:id="rId2"/>
     <p:sldId id="258" r:id="rId3"/>
-    <p:sldId id="291" r:id="rId4"/>
-    <p:sldId id="275" r:id="rId5"/>
-    <p:sldId id="261" r:id="rId6"/>
-    <p:sldId id="277" r:id="rId7"/>
-    <p:sldId id="271" r:id="rId8"/>
-    <p:sldId id="292" r:id="rId9"/>
-    <p:sldId id="270" r:id="rId10"/>
-    <p:sldId id="279" r:id="rId11"/>
-    <p:sldId id="280" r:id="rId12"/>
-    <p:sldId id="281" r:id="rId13"/>
-    <p:sldId id="284" r:id="rId14"/>
-    <p:sldId id="287" r:id="rId15"/>
-    <p:sldId id="285" r:id="rId16"/>
-    <p:sldId id="288" r:id="rId17"/>
+    <p:sldId id="275" r:id="rId4"/>
+    <p:sldId id="261" r:id="rId5"/>
+    <p:sldId id="277" r:id="rId6"/>
+    <p:sldId id="271" r:id="rId7"/>
+    <p:sldId id="292" r:id="rId8"/>
+    <p:sldId id="270" r:id="rId9"/>
+    <p:sldId id="280" r:id="rId10"/>
+    <p:sldId id="281" r:id="rId11"/>
+    <p:sldId id="284" r:id="rId12"/>
+    <p:sldId id="285" r:id="rId13"/>
+    <p:sldId id="287" r:id="rId14"/>
+    <p:sldId id="288" r:id="rId15"/>
+    <p:sldId id="293" r:id="rId16"/>
   </p:sldIdLst>
   <p:sldSz cx="12192000" cy="6858000"/>
   <p:notesSz cx="6858000" cy="9144000"/>
@@ -121,7 +120,7 @@
   </p:defaultTextStyle>
   <p:extLst>
     <p:ext uri="{EFAFB233-063F-42B5-8137-9DF3F51BA10A}">
-      <p15:sldGuideLst xmlns="" xmlns:p15="http://schemas.microsoft.com/office/powerpoint/2012/main"/>
+      <p15:sldGuideLst xmlns:p15="http://schemas.microsoft.com/office/powerpoint/2012/main" xmlns=""/>
     </p:ext>
   </p:extLst>
 </p:presentation>
@@ -259,7 +258,7 @@
             <a:fld id="{3BC3F569-19F3-4A8F-BF89-6321182380A1}" type="datetimeFigureOut">
               <a:rPr lang="en-IN" smtClean="0"/>
               <a:pPr/>
-              <a:t>27-01-2024</a:t>
+              <a:t>28-01-2024</a:t>
             </a:fld>
             <a:endParaRPr lang="en-IN"/>
           </a:p>
@@ -311,7 +310,7 @@
     </p:spTree>
     <p:extLst>
       <p:ext uri="{BB962C8B-B14F-4D97-AF65-F5344CB8AC3E}">
-        <p14:creationId xmlns="" xmlns:p14="http://schemas.microsoft.com/office/powerpoint/2010/main" val="3827164708"/>
+        <p14:creationId xmlns:p14="http://schemas.microsoft.com/office/powerpoint/2010/main" xmlns="" val="3827164708"/>
       </p:ext>
     </p:extLst>
   </p:cSld>
@@ -431,7 +430,7 @@
             <a:fld id="{3BC3F569-19F3-4A8F-BF89-6321182380A1}" type="datetimeFigureOut">
               <a:rPr lang="en-IN" smtClean="0"/>
               <a:pPr/>
-              <a:t>27-01-2024</a:t>
+              <a:t>28-01-2024</a:t>
             </a:fld>
             <a:endParaRPr lang="en-IN"/>
           </a:p>
@@ -483,7 +482,7 @@
     </p:spTree>
     <p:extLst>
       <p:ext uri="{BB962C8B-B14F-4D97-AF65-F5344CB8AC3E}">
-        <p14:creationId xmlns="" xmlns:p14="http://schemas.microsoft.com/office/powerpoint/2010/main" val="1601671629"/>
+        <p14:creationId xmlns:p14="http://schemas.microsoft.com/office/powerpoint/2010/main" xmlns="" val="1601671629"/>
       </p:ext>
     </p:extLst>
   </p:cSld>
@@ -613,7 +612,7 @@
             <a:fld id="{3BC3F569-19F3-4A8F-BF89-6321182380A1}" type="datetimeFigureOut">
               <a:rPr lang="en-IN" smtClean="0"/>
               <a:pPr/>
-              <a:t>27-01-2024</a:t>
+              <a:t>28-01-2024</a:t>
             </a:fld>
             <a:endParaRPr lang="en-IN"/>
           </a:p>
@@ -665,7 +664,7 @@
     </p:spTree>
     <p:extLst>
       <p:ext uri="{BB962C8B-B14F-4D97-AF65-F5344CB8AC3E}">
-        <p14:creationId xmlns="" xmlns:p14="http://schemas.microsoft.com/office/powerpoint/2010/main" val="1655955098"/>
+        <p14:creationId xmlns:p14="http://schemas.microsoft.com/office/powerpoint/2010/main" xmlns="" val="1655955098"/>
       </p:ext>
     </p:extLst>
   </p:cSld>
@@ -785,7 +784,7 @@
             <a:fld id="{3BC3F569-19F3-4A8F-BF89-6321182380A1}" type="datetimeFigureOut">
               <a:rPr lang="en-IN" smtClean="0"/>
               <a:pPr/>
-              <a:t>27-01-2024</a:t>
+              <a:t>28-01-2024</a:t>
             </a:fld>
             <a:endParaRPr lang="en-IN"/>
           </a:p>
@@ -837,7 +836,7 @@
     </p:spTree>
     <p:extLst>
       <p:ext uri="{BB962C8B-B14F-4D97-AF65-F5344CB8AC3E}">
-        <p14:creationId xmlns="" xmlns:p14="http://schemas.microsoft.com/office/powerpoint/2010/main" val="2585077168"/>
+        <p14:creationId xmlns:p14="http://schemas.microsoft.com/office/powerpoint/2010/main" xmlns="" val="2585077168"/>
       </p:ext>
     </p:extLst>
   </p:cSld>
@@ -1033,7 +1032,7 @@
             <a:fld id="{3BC3F569-19F3-4A8F-BF89-6321182380A1}" type="datetimeFigureOut">
               <a:rPr lang="en-IN" smtClean="0"/>
               <a:pPr/>
-              <a:t>27-01-2024</a:t>
+              <a:t>28-01-2024</a:t>
             </a:fld>
             <a:endParaRPr lang="en-IN"/>
           </a:p>
@@ -1085,7 +1084,7 @@
     </p:spTree>
     <p:extLst>
       <p:ext uri="{BB962C8B-B14F-4D97-AF65-F5344CB8AC3E}">
-        <p14:creationId xmlns="" xmlns:p14="http://schemas.microsoft.com/office/powerpoint/2010/main" val="3568663865"/>
+        <p14:creationId xmlns:p14="http://schemas.microsoft.com/office/powerpoint/2010/main" xmlns="" val="3568663865"/>
       </p:ext>
     </p:extLst>
   </p:cSld>
@@ -1267,7 +1266,7 @@
             <a:fld id="{3BC3F569-19F3-4A8F-BF89-6321182380A1}" type="datetimeFigureOut">
               <a:rPr lang="en-IN" smtClean="0"/>
               <a:pPr/>
-              <a:t>27-01-2024</a:t>
+              <a:t>28-01-2024</a:t>
             </a:fld>
             <a:endParaRPr lang="en-IN"/>
           </a:p>
@@ -1319,7 +1318,7 @@
     </p:spTree>
     <p:extLst>
       <p:ext uri="{BB962C8B-B14F-4D97-AF65-F5344CB8AC3E}">
-        <p14:creationId xmlns="" xmlns:p14="http://schemas.microsoft.com/office/powerpoint/2010/main" val="2584356441"/>
+        <p14:creationId xmlns:p14="http://schemas.microsoft.com/office/powerpoint/2010/main" xmlns="" val="2584356441"/>
       </p:ext>
     </p:extLst>
   </p:cSld>
@@ -1636,7 +1635,7 @@
             <a:fld id="{3BC3F569-19F3-4A8F-BF89-6321182380A1}" type="datetimeFigureOut">
               <a:rPr lang="en-IN" smtClean="0"/>
               <a:pPr/>
-              <a:t>27-01-2024</a:t>
+              <a:t>28-01-2024</a:t>
             </a:fld>
             <a:endParaRPr lang="en-IN"/>
           </a:p>
@@ -1688,7 +1687,7 @@
     </p:spTree>
     <p:extLst>
       <p:ext uri="{BB962C8B-B14F-4D97-AF65-F5344CB8AC3E}">
-        <p14:creationId xmlns="" xmlns:p14="http://schemas.microsoft.com/office/powerpoint/2010/main" val="2496468336"/>
+        <p14:creationId xmlns:p14="http://schemas.microsoft.com/office/powerpoint/2010/main" xmlns="" val="2496468336"/>
       </p:ext>
     </p:extLst>
   </p:cSld>
@@ -1756,7 +1755,7 @@
             <a:fld id="{3BC3F569-19F3-4A8F-BF89-6321182380A1}" type="datetimeFigureOut">
               <a:rPr lang="en-IN" smtClean="0"/>
               <a:pPr/>
-              <a:t>27-01-2024</a:t>
+              <a:t>28-01-2024</a:t>
             </a:fld>
             <a:endParaRPr lang="en-IN"/>
           </a:p>
@@ -1808,7 +1807,7 @@
     </p:spTree>
     <p:extLst>
       <p:ext uri="{BB962C8B-B14F-4D97-AF65-F5344CB8AC3E}">
-        <p14:creationId xmlns="" xmlns:p14="http://schemas.microsoft.com/office/powerpoint/2010/main" val="1946548324"/>
+        <p14:creationId xmlns:p14="http://schemas.microsoft.com/office/powerpoint/2010/main" xmlns="" val="1946548324"/>
       </p:ext>
     </p:extLst>
   </p:cSld>
@@ -1853,7 +1852,7 @@
             <a:fld id="{3BC3F569-19F3-4A8F-BF89-6321182380A1}" type="datetimeFigureOut">
               <a:rPr lang="en-IN" smtClean="0"/>
               <a:pPr/>
-              <a:t>27-01-2024</a:t>
+              <a:t>28-01-2024</a:t>
             </a:fld>
             <a:endParaRPr lang="en-IN"/>
           </a:p>
@@ -1905,7 +1904,7 @@
     </p:spTree>
     <p:extLst>
       <p:ext uri="{BB962C8B-B14F-4D97-AF65-F5344CB8AC3E}">
-        <p14:creationId xmlns="" xmlns:p14="http://schemas.microsoft.com/office/powerpoint/2010/main" val="4094429933"/>
+        <p14:creationId xmlns:p14="http://schemas.microsoft.com/office/powerpoint/2010/main" xmlns="" val="4094429933"/>
       </p:ext>
     </p:extLst>
   </p:cSld>
@@ -2132,7 +2131,7 @@
             <a:fld id="{3BC3F569-19F3-4A8F-BF89-6321182380A1}" type="datetimeFigureOut">
               <a:rPr lang="en-IN" smtClean="0"/>
               <a:pPr/>
-              <a:t>27-01-2024</a:t>
+              <a:t>28-01-2024</a:t>
             </a:fld>
             <a:endParaRPr lang="en-IN"/>
           </a:p>
@@ -2184,7 +2183,7 @@
     </p:spTree>
     <p:extLst>
       <p:ext uri="{BB962C8B-B14F-4D97-AF65-F5344CB8AC3E}">
-        <p14:creationId xmlns="" xmlns:p14="http://schemas.microsoft.com/office/powerpoint/2010/main" val="833199825"/>
+        <p14:creationId xmlns:p14="http://schemas.microsoft.com/office/powerpoint/2010/main" xmlns="" val="833199825"/>
       </p:ext>
     </p:extLst>
   </p:cSld>
@@ -2391,7 +2390,7 @@
             <a:fld id="{3BC3F569-19F3-4A8F-BF89-6321182380A1}" type="datetimeFigureOut">
               <a:rPr lang="en-IN" smtClean="0"/>
               <a:pPr/>
-              <a:t>27-01-2024</a:t>
+              <a:t>28-01-2024</a:t>
             </a:fld>
             <a:endParaRPr lang="en-IN"/>
           </a:p>
@@ -2443,7 +2442,7 @@
     </p:spTree>
     <p:extLst>
       <p:ext uri="{BB962C8B-B14F-4D97-AF65-F5344CB8AC3E}">
-        <p14:creationId xmlns="" xmlns:p14="http://schemas.microsoft.com/office/powerpoint/2010/main" val="458076871"/>
+        <p14:creationId xmlns:p14="http://schemas.microsoft.com/office/powerpoint/2010/main" xmlns="" val="458076871"/>
       </p:ext>
     </p:extLst>
   </p:cSld>
@@ -2606,7 +2605,7 @@
             <a:fld id="{3BC3F569-19F3-4A8F-BF89-6321182380A1}" type="datetimeFigureOut">
               <a:rPr lang="en-IN" smtClean="0"/>
               <a:pPr/>
-              <a:t>27-01-2024</a:t>
+              <a:t>28-01-2024</a:t>
             </a:fld>
             <a:endParaRPr lang="en-IN"/>
           </a:p>
@@ -2694,7 +2693,7 @@
     </p:spTree>
     <p:extLst>
       <p:ext uri="{BB962C8B-B14F-4D97-AF65-F5344CB8AC3E}">
-        <p14:creationId xmlns="" xmlns:p14="http://schemas.microsoft.com/office/powerpoint/2010/main" val="1517380550"/>
+        <p14:creationId xmlns:p14="http://schemas.microsoft.com/office/powerpoint/2010/main" xmlns="" val="1517380550"/>
       </p:ext>
     </p:extLst>
   </p:cSld>
@@ -3014,60 +3013,10 @@
       </p:grpSpPr>
       <p:sp>
         <p:nvSpPr>
-          <p:cNvPr id="2" name="Title 1">
-            <a:extLst>
-              <a:ext uri="{FF2B5EF4-FFF2-40B4-BE49-F238E27FC236}">
-                <a16:creationId xmlns="" xmlns:a16="http://schemas.microsoft.com/office/drawing/2014/main" id="{B42130E3-EE1E-4FC3-9855-CD09D19B3D94}"/>
-              </a:ext>
-            </a:extLst>
-          </p:cNvPr>
-          <p:cNvSpPr>
-            <a:spLocks noGrp="1"/>
-          </p:cNvSpPr>
-          <p:nvPr>
-            <p:ph type="ctrTitle"/>
-          </p:nvPr>
-        </p:nvSpPr>
-        <p:spPr/>
-        <p:txBody>
-          <a:bodyPr/>
-          <a:lstStyle/>
-          <a:p>
-            <a:endParaRPr lang="en-IN" dirty="0"/>
-          </a:p>
-        </p:txBody>
-      </p:sp>
-      <p:sp>
-        <p:nvSpPr>
-          <p:cNvPr id="3" name="Subtitle 2">
-            <a:extLst>
-              <a:ext uri="{FF2B5EF4-FFF2-40B4-BE49-F238E27FC236}">
-                <a16:creationId xmlns="" xmlns:a16="http://schemas.microsoft.com/office/drawing/2014/main" id="{52DA6F91-7503-431F-A37E-6F0119440BE3}"/>
-              </a:ext>
-            </a:extLst>
-          </p:cNvPr>
-          <p:cNvSpPr>
-            <a:spLocks noGrp="1"/>
-          </p:cNvSpPr>
-          <p:nvPr>
-            <p:ph type="subTitle" idx="1"/>
-          </p:nvPr>
-        </p:nvSpPr>
-        <p:spPr/>
-        <p:txBody>
-          <a:bodyPr/>
-          <a:lstStyle/>
-          <a:p>
-            <a:endParaRPr lang="en-IN" dirty="0"/>
-          </a:p>
-        </p:txBody>
-      </p:sp>
-      <p:sp>
-        <p:nvSpPr>
           <p:cNvPr id="7" name="TextBox 6">
             <a:extLst>
               <a:ext uri="{FF2B5EF4-FFF2-40B4-BE49-F238E27FC236}">
-                <a16:creationId xmlns="" xmlns:a16="http://schemas.microsoft.com/office/drawing/2014/main" id="{B5B8B457-573B-4365-B39A-69F24FEF44CB}"/>
+                <a16:creationId xmlns:a16="http://schemas.microsoft.com/office/drawing/2014/main" xmlns="" id="{B5B8B457-573B-4365-B39A-69F24FEF44CB}"/>
               </a:ext>
             </a:extLst>
           </p:cNvPr>
@@ -3118,7 +3067,7 @@
     </p:spTree>
     <p:extLst>
       <p:ext uri="{BB962C8B-B14F-4D97-AF65-F5344CB8AC3E}">
-        <p14:creationId xmlns="" xmlns:p14="http://schemas.microsoft.com/office/powerpoint/2010/main" val="4124445370"/>
+        <p14:creationId xmlns:p14="http://schemas.microsoft.com/office/powerpoint/2010/main" xmlns="" val="4124445370"/>
       </p:ext>
     </p:extLst>
   </p:cSld>
@@ -3154,56 +3103,67 @@
       </p:grpSpPr>
       <p:sp>
         <p:nvSpPr>
-          <p:cNvPr id="3" name="Content Placeholder 2"/>
-          <p:cNvSpPr>
-            <a:spLocks noGrp="1"/>
-          </p:cNvSpPr>
+          <p:cNvPr id="2" name="Title 1"/>
+          <p:cNvSpPr>
+            <a:spLocks noGrp="1"/>
+          </p:cNvSpPr>
+          <p:nvPr>
+            <p:ph type="title"/>
+          </p:nvPr>
+        </p:nvSpPr>
+        <p:spPr/>
+        <p:txBody>
+          <a:bodyPr/>
+          <a:lstStyle/>
+          <a:p>
+            <a:r>
+              <a:rPr lang="en-IN" b="1" u="sng" dirty="0" smtClean="0">
+                <a:solidFill>
+                  <a:schemeClr val="accent2"/>
+                </a:solidFill>
+                <a:latin typeface="Georgia Pro Cond Black" panose="02040A06050405020203" pitchFamily="18" charset="0"/>
+                <a:ea typeface="Times New Roman" panose="02020603050405020304" pitchFamily="18" charset="0"/>
+                <a:cs typeface="Times New Roman" panose="02020603050405020304" pitchFamily="18" charset="0"/>
+              </a:rPr>
+              <a:t>S3 Storage classes:</a:t>
+            </a:r>
+            <a:br>
+              <a:rPr lang="en-IN" b="1" u="sng" dirty="0" smtClean="0">
+                <a:solidFill>
+                  <a:schemeClr val="accent2"/>
+                </a:solidFill>
+                <a:latin typeface="Georgia Pro Cond Black" panose="02040A06050405020203" pitchFamily="18" charset="0"/>
+                <a:ea typeface="Times New Roman" panose="02020603050405020304" pitchFamily="18" charset="0"/>
+                <a:cs typeface="Times New Roman" panose="02020603050405020304" pitchFamily="18" charset="0"/>
+              </a:rPr>
+            </a:br>
+            <a:endParaRPr lang="en-US" dirty="0"/>
+          </a:p>
+        </p:txBody>
+      </p:sp>
+      <p:pic>
+        <p:nvPicPr>
+          <p:cNvPr id="8" name="Content Placeholder 7" descr="class--cmparison.png"/>
+          <p:cNvPicPr>
+            <a:picLocks noGrp="1" noChangeAspect="1"/>
+          </p:cNvPicPr>
           <p:nvPr>
             <p:ph idx="1"/>
           </p:nvPr>
-        </p:nvSpPr>
+        </p:nvPicPr>
+        <p:blipFill>
+          <a:blip r:embed="rId2" cstate="print"/>
+          <a:stretch>
+            <a:fillRect/>
+          </a:stretch>
+        </p:blipFill>
         <p:spPr>
           <a:xfrm>
-            <a:off x="838200" y="731520"/>
-            <a:ext cx="10515600" cy="5445443"/>
+            <a:off x="697170" y="1110344"/>
+            <a:ext cx="10406259" cy="5498820"/>
           </a:xfrm>
         </p:spPr>
-        <p:txBody>
-          <a:bodyPr/>
-          <a:lstStyle/>
-          <a:p>
-            <a:pPr>
-              <a:buNone/>
-            </a:pPr>
-            <a:r>
-              <a:rPr lang="en-IN" dirty="0" smtClean="0"/>
-              <a:t>In other words;</a:t>
-            </a:r>
-          </a:p>
-          <a:p>
-            <a:r>
-              <a:rPr lang="en-IN" dirty="0" smtClean="0"/>
-              <a:t>If you write a new file and read it immediately afterwards, you will be able to view that data. </a:t>
-            </a:r>
-          </a:p>
-          <a:p>
-            <a:r>
-              <a:rPr lang="en-IN" dirty="0" smtClean="0"/>
-              <a:t>If you update An Existing File or delete a file and read it immediately, you my get an older version, or you may not. Basically changes to objects can take a little bit of time to propagate.    </a:t>
-            </a:r>
-            <a:br>
-              <a:rPr lang="en-IN" dirty="0" smtClean="0"/>
-            </a:br>
-            <a:r>
-              <a:rPr lang="en-IN" dirty="0" smtClean="0"/>
-              <a:t> </a:t>
-            </a:r>
-          </a:p>
-          <a:p>
-            <a:endParaRPr lang="en-US" dirty="0"/>
-          </a:p>
-        </p:txBody>
-      </p:sp>
+      </p:pic>
     </p:spTree>
   </p:cSld>
   <p:clrMapOvr>
@@ -3246,16 +3206,9 @@
             <p:ph type="title"/>
           </p:nvPr>
         </p:nvSpPr>
-        <p:spPr>
-          <a:xfrm>
-            <a:off x="838200" y="365125"/>
-            <a:ext cx="10515600" cy="823595"/>
-          </a:xfrm>
-        </p:spPr>
-        <p:txBody>
-          <a:bodyPr>
-            <a:normAutofit fontScale="90000"/>
-          </a:bodyPr>
+        <p:spPr/>
+        <p:txBody>
+          <a:bodyPr/>
           <a:lstStyle/>
           <a:p>
             <a:r>
@@ -3267,29 +3220,7 @@
                 <a:ea typeface="Times New Roman" panose="02020603050405020304" pitchFamily="18" charset="0"/>
                 <a:cs typeface="Times New Roman" panose="02020603050405020304" pitchFamily="18" charset="0"/>
               </a:rPr>
-              <a:t>S3 features</a:t>
-            </a:r>
-            <a:r>
-              <a:rPr lang="en-IN" b="1" u="sng" dirty="0" smtClean="0">
-                <a:solidFill>
-                  <a:schemeClr val="accent2"/>
-                </a:solidFill>
-                <a:latin typeface="Georgia Pro Cond Black" panose="02040A06050405020203" pitchFamily="18" charset="0"/>
-                <a:ea typeface="Times New Roman" panose="02020603050405020304" pitchFamily="18" charset="0"/>
-                <a:cs typeface="Times New Roman" panose="02020603050405020304" pitchFamily="18" charset="0"/>
-              </a:rPr>
-              <a:t>:</a:t>
-            </a:r>
-            <a:r>
-              <a:rPr lang="en-IN" b="1" u="sng" dirty="0" smtClean="0">
-                <a:solidFill>
-                  <a:schemeClr val="accent2"/>
-                </a:solidFill>
-                <a:latin typeface="Georgia Pro Cond Black" panose="02040A06050405020203" pitchFamily="18" charset="0"/>
-                <a:ea typeface="Times New Roman" panose="02020603050405020304" pitchFamily="18" charset="0"/>
-                <a:cs typeface="Times New Roman" panose="02020603050405020304" pitchFamily="18" charset="0"/>
-              </a:rPr>
-              <a:t/>
+              <a:t>Charged in S3</a:t>
             </a:r>
             <a:br>
               <a:rPr lang="en-IN" b="1" u="sng" dirty="0" smtClean="0">
@@ -3307,7 +3238,7 @@
       </p:sp>
       <p:sp>
         <p:nvSpPr>
-          <p:cNvPr id="7" name="Content Placeholder 2"/>
+          <p:cNvPr id="3" name="Content Placeholder 2"/>
           <p:cNvSpPr>
             <a:spLocks noGrp="1"/>
           </p:cNvSpPr>
@@ -3326,40 +3257,45 @@
           <a:lstStyle/>
           <a:p>
             <a:r>
+              <a:rPr lang="en-US" dirty="0" smtClean="0"/>
+              <a:t>Storage</a:t>
+            </a:r>
+            <a:endParaRPr lang="en-US" b="1" dirty="0" smtClean="0"/>
+          </a:p>
+          <a:p>
+            <a:r>
+              <a:rPr lang="en-US" dirty="0" smtClean="0"/>
+              <a:t>Requests and Data Retrievals </a:t>
+            </a:r>
+          </a:p>
+          <a:p>
+            <a:r>
               <a:rPr lang="en-IN" dirty="0" smtClean="0"/>
-              <a:t>Tiered Storage Available</a:t>
-            </a:r>
-          </a:p>
-          <a:p>
-            <a:r>
-              <a:rPr lang="en-IN" dirty="0" smtClean="0"/>
-              <a:t>Lifecycle Management</a:t>
-            </a:r>
-          </a:p>
-          <a:p>
-            <a:r>
-              <a:rPr lang="en-IN" dirty="0" smtClean="0"/>
-              <a:t>Versioning</a:t>
-            </a:r>
-          </a:p>
-          <a:p>
-            <a:r>
-              <a:rPr lang="en-IN" dirty="0" smtClean="0"/>
-              <a:t>Encryption</a:t>
-            </a:r>
-          </a:p>
-          <a:p>
-            <a:r>
-              <a:rPr lang="en-IN" dirty="0" smtClean="0"/>
-              <a:t>MFA delete</a:t>
-            </a:r>
-          </a:p>
-          <a:p>
-            <a:r>
-              <a:rPr lang="en-IN" dirty="0" smtClean="0"/>
-              <a:t>Secure your data using Access Control List and Bucket Policies</a:t>
-            </a:r>
-            <a:endParaRPr lang="en-IN" dirty="0" smtClean="0"/>
+              <a:t>Storage Management Pricing</a:t>
+            </a:r>
+            <a:endParaRPr lang="en-US" dirty="0" smtClean="0"/>
+          </a:p>
+          <a:p>
+            <a:r>
+              <a:rPr lang="en-US" dirty="0" smtClean="0"/>
+              <a:t>Data Transfer Pricing</a:t>
+            </a:r>
+          </a:p>
+          <a:p>
+            <a:r>
+              <a:rPr lang="en-US" dirty="0" smtClean="0"/>
+              <a:t>Transfer Acceleration</a:t>
+            </a:r>
+          </a:p>
+          <a:p>
+            <a:r>
+              <a:rPr lang="en-US" dirty="0" smtClean="0"/>
+              <a:t>Cross Region Replication </a:t>
+            </a:r>
+            <a:br>
+              <a:rPr lang="en-US" dirty="0" smtClean="0"/>
+            </a:br>
+            <a:endParaRPr lang="en-US" dirty="0" smtClean="0"/>
           </a:p>
           <a:p>
             <a:endParaRPr lang="en-US" dirty="0"/>
@@ -3422,18 +3358,7 @@
                 <a:ea typeface="Times New Roman" panose="02020603050405020304" pitchFamily="18" charset="0"/>
                 <a:cs typeface="Times New Roman" panose="02020603050405020304" pitchFamily="18" charset="0"/>
               </a:rPr>
-              <a:t>S3 Storage classes:</a:t>
-            </a:r>
-            <a:r>
-              <a:rPr lang="en-IN" b="1" u="sng" dirty="0" smtClean="0">
-                <a:solidFill>
-                  <a:schemeClr val="accent2"/>
-                </a:solidFill>
-                <a:latin typeface="Georgia Pro Cond Black" panose="02040A06050405020203" pitchFamily="18" charset="0"/>
-                <a:ea typeface="Times New Roman" panose="02020603050405020304" pitchFamily="18" charset="0"/>
-                <a:cs typeface="Times New Roman" panose="02020603050405020304" pitchFamily="18" charset="0"/>
-              </a:rPr>
-              <a:t/>
+              <a:t>Transfer Acceleration</a:t>
             </a:r>
             <a:br>
               <a:rPr lang="en-IN" b="1" u="sng" dirty="0" smtClean="0">
@@ -3449,29 +3374,48 @@
           </a:p>
         </p:txBody>
       </p:sp>
-      <p:pic>
-        <p:nvPicPr>
-          <p:cNvPr id="8" name="Content Placeholder 7" descr="class--cmparison.png"/>
-          <p:cNvPicPr>
-            <a:picLocks noGrp="1" noChangeAspect="1"/>
-          </p:cNvPicPr>
+      <p:sp>
+        <p:nvSpPr>
+          <p:cNvPr id="3" name="Content Placeholder 2"/>
+          <p:cNvSpPr>
+            <a:spLocks noGrp="1"/>
+          </p:cNvSpPr>
           <p:nvPr>
             <p:ph idx="1"/>
           </p:nvPr>
-        </p:nvPicPr>
-        <p:blipFill>
-          <a:blip r:embed="rId2" cstate="print"/>
-          <a:stretch>
-            <a:fillRect/>
-          </a:stretch>
-        </p:blipFill>
+        </p:nvSpPr>
         <p:spPr>
           <a:xfrm>
-            <a:off x="697170" y="1129762"/>
-            <a:ext cx="10406259" cy="5479402"/>
+            <a:off x="838200" y="1188720"/>
+            <a:ext cx="10515600" cy="4988243"/>
           </a:xfrm>
         </p:spPr>
-      </p:pic>
+        <p:txBody>
+          <a:bodyPr/>
+          <a:lstStyle/>
+          <a:p>
+            <a:r>
+              <a:rPr lang="en-IN" dirty="0" smtClean="0"/>
+              <a:t>Amazon S3 Transfer Acceleration enables fast, easy and secure transfer of files over long distances between your end users and an S3 bucket. </a:t>
+            </a:r>
+          </a:p>
+          <a:p>
+            <a:r>
+              <a:rPr lang="en-IN" dirty="0" smtClean="0"/>
+              <a:t>Transfer Acceleration takes advantage of Amazon </a:t>
+            </a:r>
+            <a:r>
+              <a:rPr lang="en-IN" dirty="0" err="1" smtClean="0"/>
+              <a:t>CloudFront’s</a:t>
+            </a:r>
+            <a:r>
+              <a:rPr lang="en-IN" dirty="0" smtClean="0"/>
+              <a:t> globally distributed edge locations. As the data arrives at an edge location. Data is routed to Amazon S3 over an optimized network path.</a:t>
+            </a:r>
+            <a:endParaRPr lang="en-US" dirty="0"/>
+          </a:p>
+        </p:txBody>
+      </p:sp>
     </p:spTree>
   </p:cSld>
   <p:clrMapOvr>
@@ -3528,173 +3472,7 @@
                 <a:ea typeface="Times New Roman" panose="02020603050405020304" pitchFamily="18" charset="0"/>
                 <a:cs typeface="Times New Roman" panose="02020603050405020304" pitchFamily="18" charset="0"/>
               </a:rPr>
-              <a:t>Charged in S3</a:t>
-            </a:r>
-            <a:r>
-              <a:rPr lang="en-IN" b="1" u="sng" dirty="0" smtClean="0">
-                <a:solidFill>
-                  <a:schemeClr val="accent2"/>
-                </a:solidFill>
-                <a:latin typeface="Georgia Pro Cond Black" panose="02040A06050405020203" pitchFamily="18" charset="0"/>
-                <a:ea typeface="Times New Roman" panose="02020603050405020304" pitchFamily="18" charset="0"/>
-                <a:cs typeface="Times New Roman" panose="02020603050405020304" pitchFamily="18" charset="0"/>
-              </a:rPr>
-              <a:t/>
-            </a:r>
-            <a:br>
-              <a:rPr lang="en-IN" b="1" u="sng" dirty="0" smtClean="0">
-                <a:solidFill>
-                  <a:schemeClr val="accent2"/>
-                </a:solidFill>
-                <a:latin typeface="Georgia Pro Cond Black" panose="02040A06050405020203" pitchFamily="18" charset="0"/>
-                <a:ea typeface="Times New Roman" panose="02020603050405020304" pitchFamily="18" charset="0"/>
-                <a:cs typeface="Times New Roman" panose="02020603050405020304" pitchFamily="18" charset="0"/>
-              </a:rPr>
-            </a:br>
-            <a:endParaRPr lang="en-US" dirty="0"/>
-          </a:p>
-        </p:txBody>
-      </p:sp>
-      <p:sp>
-        <p:nvSpPr>
-          <p:cNvPr id="3" name="Content Placeholder 2"/>
-          <p:cNvSpPr>
-            <a:spLocks noGrp="1"/>
-          </p:cNvSpPr>
-          <p:nvPr>
-            <p:ph idx="1"/>
-          </p:nvPr>
-        </p:nvSpPr>
-        <p:spPr>
-          <a:xfrm>
-            <a:off x="838200" y="1188720"/>
-            <a:ext cx="10515600" cy="4988243"/>
-          </a:xfrm>
-        </p:spPr>
-        <p:txBody>
-          <a:bodyPr/>
-          <a:lstStyle/>
-          <a:p>
-            <a:r>
-              <a:rPr lang="en-US" dirty="0" smtClean="0"/>
-              <a:t>Storage</a:t>
-            </a:r>
-            <a:endParaRPr lang="en-US" b="1" dirty="0" smtClean="0"/>
-          </a:p>
-          <a:p>
-            <a:r>
-              <a:rPr lang="en-US" dirty="0" smtClean="0"/>
-              <a:t>Requests and Data Retrievals </a:t>
-            </a:r>
-          </a:p>
-          <a:p>
-            <a:r>
-              <a:rPr lang="en-IN" dirty="0" smtClean="0"/>
-              <a:t>Storage Management Pricing</a:t>
-            </a:r>
-            <a:endParaRPr lang="en-US" dirty="0" smtClean="0"/>
-          </a:p>
-          <a:p>
-            <a:r>
-              <a:rPr lang="en-US" dirty="0" smtClean="0"/>
-              <a:t>Data Transfer Pricing</a:t>
-            </a:r>
-            <a:endParaRPr lang="en-US" dirty="0" smtClean="0"/>
-          </a:p>
-          <a:p>
-            <a:r>
-              <a:rPr lang="en-US" dirty="0" smtClean="0"/>
-              <a:t>Transfer Acceleration</a:t>
-            </a:r>
-            <a:endParaRPr lang="en-US" dirty="0" smtClean="0"/>
-          </a:p>
-          <a:p>
-            <a:r>
-              <a:rPr lang="en-US" dirty="0" smtClean="0"/>
-              <a:t>Cross Region Replication </a:t>
-            </a:r>
-            <a:r>
-              <a:rPr lang="en-US" dirty="0" smtClean="0"/>
-              <a:t/>
-            </a:r>
-            <a:br>
-              <a:rPr lang="en-US" dirty="0" smtClean="0"/>
-            </a:br>
-            <a:endParaRPr lang="en-US" dirty="0" smtClean="0"/>
-          </a:p>
-          <a:p>
-            <a:endParaRPr lang="en-US" dirty="0"/>
-          </a:p>
-        </p:txBody>
-      </p:sp>
-    </p:spTree>
-  </p:cSld>
-  <p:clrMapOvr>
-    <a:masterClrMapping/>
-  </p:clrMapOvr>
-  <p:timing>
-    <p:tnLst>
-      <p:par>
-        <p:cTn id="1" dur="indefinite" restart="never" nodeType="tmRoot"/>
-      </p:par>
-    </p:tnLst>
-  </p:timing>
-</p:sld>
-</file>
-
-<file path=ppt/slides/slide14.xml><?xml version="1.0" encoding="utf-8"?>
-<p:sld xmlns:a="http://schemas.openxmlformats.org/drawingml/2006/main" xmlns:r="http://schemas.openxmlformats.org/officeDocument/2006/relationships" xmlns:p="http://schemas.openxmlformats.org/presentationml/2006/main">
-  <p:cSld>
-    <p:spTree>
-      <p:nvGrpSpPr>
-        <p:cNvPr id="1" name=""/>
-        <p:cNvGrpSpPr/>
-        <p:nvPr/>
-      </p:nvGrpSpPr>
-      <p:grpSpPr>
-        <a:xfrm>
-          <a:off x="0" y="0"/>
-          <a:ext cx="0" cy="0"/>
-          <a:chOff x="0" y="0"/>
-          <a:chExt cx="0" cy="0"/>
-        </a:xfrm>
-      </p:grpSpPr>
-      <p:sp>
-        <p:nvSpPr>
-          <p:cNvPr id="2" name="Title 1"/>
-          <p:cNvSpPr>
-            <a:spLocks noGrp="1"/>
-          </p:cNvSpPr>
-          <p:nvPr>
-            <p:ph type="title"/>
-          </p:nvPr>
-        </p:nvSpPr>
-        <p:spPr/>
-        <p:txBody>
-          <a:bodyPr/>
-          <a:lstStyle/>
-          <a:p>
-            <a:r>
-              <a:rPr lang="en-IN" b="1" u="sng" dirty="0" smtClean="0">
-                <a:solidFill>
-                  <a:schemeClr val="accent2"/>
-                </a:solidFill>
-                <a:latin typeface="Georgia Pro Cond Black" panose="02040A06050405020203" pitchFamily="18" charset="0"/>
-                <a:ea typeface="Times New Roman" panose="02020603050405020304" pitchFamily="18" charset="0"/>
-                <a:cs typeface="Times New Roman" panose="02020603050405020304" pitchFamily="18" charset="0"/>
-              </a:rPr>
               <a:t>Cross Region Replication</a:t>
-            </a:r>
-            <a:r>
-              <a:rPr lang="en-IN" b="1" u="sng" dirty="0" smtClean="0">
-                <a:solidFill>
-                  <a:schemeClr val="accent2"/>
-                </a:solidFill>
-                <a:latin typeface="Georgia Pro Cond Black" panose="02040A06050405020203" pitchFamily="18" charset="0"/>
-                <a:ea typeface="Times New Roman" panose="02020603050405020304" pitchFamily="18" charset="0"/>
-                <a:cs typeface="Times New Roman" panose="02020603050405020304" pitchFamily="18" charset="0"/>
-              </a:rPr>
-              <a:t/>
             </a:r>
             <a:br>
               <a:rPr lang="en-IN" b="1" u="sng" dirty="0" smtClean="0">
@@ -3786,7 +3564,7 @@
 </p:sld>
 </file>
 
-<file path=ppt/slides/slide15.xml><?xml version="1.0" encoding="utf-8"?>
+<file path=ppt/slides/slide14.xml><?xml version="1.0" encoding="utf-8"?>
 <p:sld xmlns:a="http://schemas.openxmlformats.org/drawingml/2006/main" xmlns:r="http://schemas.openxmlformats.org/officeDocument/2006/relationships" xmlns:p="http://schemas.openxmlformats.org/presentationml/2006/main">
   <p:cSld>
     <p:spTree>
@@ -3827,155 +3605,7 @@
                 <a:ea typeface="Times New Roman" panose="02020603050405020304" pitchFamily="18" charset="0"/>
                 <a:cs typeface="Times New Roman" panose="02020603050405020304" pitchFamily="18" charset="0"/>
               </a:rPr>
-              <a:t>Transfer Acceleration</a:t>
-            </a:r>
-            <a:r>
-              <a:rPr lang="en-IN" b="1" u="sng" dirty="0" smtClean="0">
-                <a:solidFill>
-                  <a:schemeClr val="accent2"/>
-                </a:solidFill>
-                <a:latin typeface="Georgia Pro Cond Black" panose="02040A06050405020203" pitchFamily="18" charset="0"/>
-                <a:ea typeface="Times New Roman" panose="02020603050405020304" pitchFamily="18" charset="0"/>
-                <a:cs typeface="Times New Roman" panose="02020603050405020304" pitchFamily="18" charset="0"/>
-              </a:rPr>
-              <a:t/>
-            </a:r>
-            <a:br>
-              <a:rPr lang="en-IN" b="1" u="sng" dirty="0" smtClean="0">
-                <a:solidFill>
-                  <a:schemeClr val="accent2"/>
-                </a:solidFill>
-                <a:latin typeface="Georgia Pro Cond Black" panose="02040A06050405020203" pitchFamily="18" charset="0"/>
-                <a:ea typeface="Times New Roman" panose="02020603050405020304" pitchFamily="18" charset="0"/>
-                <a:cs typeface="Times New Roman" panose="02020603050405020304" pitchFamily="18" charset="0"/>
-              </a:rPr>
-            </a:br>
-            <a:endParaRPr lang="en-US" dirty="0"/>
-          </a:p>
-        </p:txBody>
-      </p:sp>
-      <p:sp>
-        <p:nvSpPr>
-          <p:cNvPr id="3" name="Content Placeholder 2"/>
-          <p:cNvSpPr>
-            <a:spLocks noGrp="1"/>
-          </p:cNvSpPr>
-          <p:nvPr>
-            <p:ph idx="1"/>
-          </p:nvPr>
-        </p:nvSpPr>
-        <p:spPr>
-          <a:xfrm>
-            <a:off x="838200" y="1188720"/>
-            <a:ext cx="10515600" cy="4988243"/>
-          </a:xfrm>
-        </p:spPr>
-        <p:txBody>
-          <a:bodyPr/>
-          <a:lstStyle/>
-          <a:p>
-            <a:r>
-              <a:rPr lang="en-IN" dirty="0" smtClean="0"/>
-              <a:t>Amazon S3 Transfer Acceleration enables fast, easy and secure transfer of files over long distances between your end users and an S3 bucket. </a:t>
-            </a:r>
-          </a:p>
-          <a:p>
-            <a:r>
-              <a:rPr lang="en-IN" dirty="0" smtClean="0"/>
-              <a:t>Transfer </a:t>
-            </a:r>
-            <a:r>
-              <a:rPr lang="en-IN" dirty="0" smtClean="0"/>
-              <a:t>Acceleration takes advantage of Amazon </a:t>
-            </a:r>
-            <a:r>
-              <a:rPr lang="en-IN" dirty="0" err="1" smtClean="0"/>
-              <a:t>CloudFront’s</a:t>
-            </a:r>
-            <a:r>
-              <a:rPr lang="en-IN" dirty="0" smtClean="0"/>
-              <a:t> globally distributed edge locations. As the data arrives at an edge location. Data is routed to </a:t>
-            </a:r>
-            <a:r>
-              <a:rPr lang="en-IN" dirty="0" smtClean="0"/>
-              <a:t>A</a:t>
-            </a:r>
-            <a:r>
-              <a:rPr lang="en-IN" dirty="0" smtClean="0"/>
-              <a:t>mazon S3 over an optimized network path.</a:t>
-            </a:r>
-            <a:endParaRPr lang="en-US" dirty="0"/>
-          </a:p>
-        </p:txBody>
-      </p:sp>
-    </p:spTree>
-  </p:cSld>
-  <p:clrMapOvr>
-    <a:masterClrMapping/>
-  </p:clrMapOvr>
-  <p:timing>
-    <p:tnLst>
-      <p:par>
-        <p:cTn id="1" dur="indefinite" restart="never" nodeType="tmRoot"/>
-      </p:par>
-    </p:tnLst>
-  </p:timing>
-</p:sld>
-</file>
-
-<file path=ppt/slides/slide16.xml><?xml version="1.0" encoding="utf-8"?>
-<p:sld xmlns:a="http://schemas.openxmlformats.org/drawingml/2006/main" xmlns:r="http://schemas.openxmlformats.org/officeDocument/2006/relationships" xmlns:p="http://schemas.openxmlformats.org/presentationml/2006/main">
-  <p:cSld>
-    <p:spTree>
-      <p:nvGrpSpPr>
-        <p:cNvPr id="1" name=""/>
-        <p:cNvGrpSpPr/>
-        <p:nvPr/>
-      </p:nvGrpSpPr>
-      <p:grpSpPr>
-        <a:xfrm>
-          <a:off x="0" y="0"/>
-          <a:ext cx="0" cy="0"/>
-          <a:chOff x="0" y="0"/>
-          <a:chExt cx="0" cy="0"/>
-        </a:xfrm>
-      </p:grpSpPr>
-      <p:sp>
-        <p:nvSpPr>
-          <p:cNvPr id="2" name="Title 1"/>
-          <p:cNvSpPr>
-            <a:spLocks noGrp="1"/>
-          </p:cNvSpPr>
-          <p:nvPr>
-            <p:ph type="title"/>
-          </p:nvPr>
-        </p:nvSpPr>
-        <p:spPr/>
-        <p:txBody>
-          <a:bodyPr/>
-          <a:lstStyle/>
-          <a:p>
-            <a:r>
-              <a:rPr lang="en-IN" b="1" u="sng" dirty="0" smtClean="0">
-                <a:solidFill>
-                  <a:schemeClr val="accent2"/>
-                </a:solidFill>
-                <a:latin typeface="Georgia Pro Cond Black" panose="02040A06050405020203" pitchFamily="18" charset="0"/>
-                <a:ea typeface="Times New Roman" panose="02020603050405020304" pitchFamily="18" charset="0"/>
-                <a:cs typeface="Times New Roman" panose="02020603050405020304" pitchFamily="18" charset="0"/>
-              </a:rPr>
               <a:t>S3 Pricing Tiers:</a:t>
-            </a:r>
-            <a:r>
-              <a:rPr lang="en-IN" b="1" u="sng" dirty="0" smtClean="0">
-                <a:solidFill>
-                  <a:schemeClr val="accent2"/>
-                </a:solidFill>
-                <a:latin typeface="Georgia Pro Cond Black" panose="02040A06050405020203" pitchFamily="18" charset="0"/>
-                <a:ea typeface="Times New Roman" panose="02020603050405020304" pitchFamily="18" charset="0"/>
-                <a:cs typeface="Times New Roman" panose="02020603050405020304" pitchFamily="18" charset="0"/>
-              </a:rPr>
-              <a:t/>
             </a:r>
             <a:br>
               <a:rPr lang="en-IN" b="1" u="sng" dirty="0" smtClean="0">
@@ -4075,6 +3705,63 @@
 </p:sld>
 </file>
 
+<file path=ppt/slides/slide15.xml><?xml version="1.0" encoding="utf-8"?>
+<p:sld xmlns:a="http://schemas.openxmlformats.org/drawingml/2006/main" xmlns:r="http://schemas.openxmlformats.org/officeDocument/2006/relationships" xmlns:p="http://schemas.openxmlformats.org/presentationml/2006/main">
+  <p:cSld>
+    <p:spTree>
+      <p:nvGrpSpPr>
+        <p:cNvPr id="1" name=""/>
+        <p:cNvGrpSpPr/>
+        <p:nvPr/>
+      </p:nvGrpSpPr>
+      <p:grpSpPr>
+        <a:xfrm>
+          <a:off x="0" y="0"/>
+          <a:ext cx="0" cy="0"/>
+          <a:chOff x="0" y="0"/>
+          <a:chExt cx="0" cy="0"/>
+        </a:xfrm>
+      </p:grpSpPr>
+      <p:pic>
+        <p:nvPicPr>
+          <p:cNvPr id="1026" name="Picture 2"/>
+          <p:cNvPicPr>
+            <a:picLocks noChangeAspect="1" noChangeArrowheads="1"/>
+          </p:cNvPicPr>
+          <p:nvPr/>
+        </p:nvPicPr>
+        <p:blipFill>
+          <a:blip r:embed="rId2" cstate="print"/>
+          <a:srcRect/>
+          <a:stretch>
+            <a:fillRect/>
+          </a:stretch>
+        </p:blipFill>
+        <p:spPr bwMode="auto">
+          <a:xfrm>
+            <a:off x="1319349" y="-55505"/>
+            <a:ext cx="9483634" cy="6918189"/>
+          </a:xfrm>
+          <a:prstGeom prst="rect">
+            <a:avLst/>
+          </a:prstGeom>
+          <a:noFill/>
+          <a:ln w="9525">
+            <a:noFill/>
+            <a:miter lim="800000"/>
+            <a:headEnd/>
+            <a:tailEnd/>
+          </a:ln>
+        </p:spPr>
+      </p:pic>
+    </p:spTree>
+  </p:cSld>
+  <p:clrMapOvr>
+    <a:masterClrMapping/>
+  </p:clrMapOvr>
+</p:sld>
+</file>
+
 <file path=ppt/slides/slide2.xml><?xml version="1.0" encoding="utf-8"?>
 <p:sld xmlns:a="http://schemas.openxmlformats.org/drawingml/2006/main" xmlns:r="http://schemas.openxmlformats.org/officeDocument/2006/relationships" xmlns:p="http://schemas.openxmlformats.org/presentationml/2006/main" showMasterSp="0">
   <p:cSld>
@@ -4097,7 +3784,7 @@
           <p:cNvPr id="2" name="Title 1">
             <a:extLst>
               <a:ext uri="{FF2B5EF4-FFF2-40B4-BE49-F238E27FC236}">
-                <a16:creationId xmlns="" xmlns:a16="http://schemas.microsoft.com/office/drawing/2014/main" id="{FD19FA77-CA70-4DCD-8B7F-8DC4E9918FBF}"/>
+                <a16:creationId xmlns:a16="http://schemas.microsoft.com/office/drawing/2014/main" xmlns="" id="{FD19FA77-CA70-4DCD-8B7F-8DC4E9918FBF}"/>
               </a:ext>
             </a:extLst>
           </p:cNvPr>
@@ -4126,7 +3813,7 @@
           <p:cNvPr id="3" name="Content Placeholder 2">
             <a:extLst>
               <a:ext uri="{FF2B5EF4-FFF2-40B4-BE49-F238E27FC236}">
-                <a16:creationId xmlns="" xmlns:a16="http://schemas.microsoft.com/office/drawing/2014/main" id="{9837E5CC-BF5A-4014-A960-027746B057F7}"/>
+                <a16:creationId xmlns:a16="http://schemas.microsoft.com/office/drawing/2014/main" xmlns="" id="{9837E5CC-BF5A-4014-A960-027746B057F7}"/>
               </a:ext>
             </a:extLst>
           </p:cNvPr>
@@ -4144,20 +3831,14 @@
           <a:p>
             <a:r>
               <a:rPr lang="en-US" dirty="0" smtClean="0"/>
-              <a:t>What is </a:t>
-            </a:r>
-            <a:r>
-              <a:rPr lang="en-US" dirty="0" smtClean="0"/>
-              <a:t>IAM?</a:t>
-            </a:r>
-            <a:endParaRPr lang="en-US" dirty="0" smtClean="0"/>
+              <a:t>What is IAM?</a:t>
+            </a:r>
           </a:p>
           <a:p>
             <a:r>
               <a:rPr lang="en-US" dirty="0" smtClean="0"/>
               <a:t>How to set Billing Alarm Demo?</a:t>
             </a:r>
-            <a:endParaRPr lang="en-US" dirty="0" smtClean="0"/>
           </a:p>
           <a:p>
             <a:r>
@@ -4185,27 +3866,20 @@
           </a:p>
           <a:p>
             <a:r>
+              <a:rPr lang="en-US" smtClean="0"/>
+              <a:t>S3 </a:t>
+            </a:r>
+            <a:r>
               <a:rPr lang="en-US" dirty="0" smtClean="0"/>
-              <a:t>S3 Security and </a:t>
-            </a:r>
-            <a:r>
-              <a:rPr lang="en-US" dirty="0" smtClean="0"/>
-              <a:t>Encryption</a:t>
-            </a:r>
-          </a:p>
-          <a:p>
-            <a:r>
-              <a:rPr lang="en-US" dirty="0" smtClean="0"/>
-              <a:t>S3 Versioning - Demo</a:t>
-            </a:r>
-            <a:endParaRPr lang="en-US" dirty="0" smtClean="0"/>
+              <a:t>Versioning - Demo</a:t>
+            </a:r>
           </a:p>
         </p:txBody>
       </p:sp>
     </p:spTree>
     <p:extLst>
       <p:ext uri="{BB962C8B-B14F-4D97-AF65-F5344CB8AC3E}">
-        <p14:creationId xmlns="" xmlns:p14="http://schemas.microsoft.com/office/powerpoint/2010/main" val="585015999"/>
+        <p14:creationId xmlns:p14="http://schemas.microsoft.com/office/powerpoint/2010/main" xmlns="" val="585015999"/>
       </p:ext>
     </p:extLst>
   </p:cSld>
@@ -4241,121 +3915,10 @@
       </p:grpSpPr>
       <p:sp>
         <p:nvSpPr>
-          <p:cNvPr id="3" name="Content Placeholder 2">
-            <a:extLst>
-              <a:ext uri="{FF2B5EF4-FFF2-40B4-BE49-F238E27FC236}">
-                <a16:creationId xmlns="" xmlns:a16="http://schemas.microsoft.com/office/drawing/2014/main" id="{9837E5CC-BF5A-4014-A960-027746B057F7}"/>
-              </a:ext>
-            </a:extLst>
-          </p:cNvPr>
-          <p:cNvSpPr>
-            <a:spLocks noGrp="1"/>
-          </p:cNvSpPr>
-          <p:nvPr>
-            <p:ph idx="1"/>
-          </p:nvPr>
-        </p:nvSpPr>
-        <p:spPr>
-          <a:xfrm>
-            <a:off x="838200" y="705394"/>
-            <a:ext cx="10515600" cy="5471569"/>
-          </a:xfrm>
-        </p:spPr>
-        <p:txBody>
-          <a:bodyPr>
-            <a:normAutofit/>
-          </a:bodyPr>
-          <a:lstStyle/>
-          <a:p>
-            <a:r>
-              <a:rPr lang="en-US" dirty="0" smtClean="0"/>
-              <a:t>S3 Object Lock and Glacier Vault Lock [SAA-C02]</a:t>
-            </a:r>
-          </a:p>
-          <a:p>
-            <a:r>
-              <a:rPr lang="en-US" dirty="0" smtClean="0"/>
-              <a:t>S3 Performance [SAA-C02]</a:t>
-            </a:r>
-          </a:p>
-          <a:p>
-            <a:r>
-              <a:rPr lang="en-US" dirty="0" smtClean="0"/>
-              <a:t>S3 Select and Glacier Select [SAA-C02]</a:t>
-            </a:r>
-          </a:p>
-          <a:p>
-            <a:r>
-              <a:rPr lang="en-US" dirty="0" smtClean="0"/>
-              <a:t>AWS Organizations and Consolidated Billing [SAA-C02]</a:t>
-            </a:r>
-          </a:p>
-          <a:p>
-            <a:r>
-              <a:rPr lang="en-US" dirty="0" smtClean="0"/>
-              <a:t>Sharing S3 Buckets Across Accounts - Lab [SAA-C02]</a:t>
-            </a:r>
-          </a:p>
-          <a:p>
-            <a:r>
-              <a:rPr lang="en-US" dirty="0" smtClean="0"/>
-              <a:t>Cross-Region Replication - Demo</a:t>
-            </a:r>
-          </a:p>
-          <a:p>
-            <a:r>
-              <a:rPr lang="en-US" dirty="0" smtClean="0"/>
-              <a:t>S3 Transfer Acceleration</a:t>
-            </a:r>
-          </a:p>
-          <a:p>
-            <a:endParaRPr lang="en-US" dirty="0" smtClean="0"/>
-          </a:p>
-        </p:txBody>
-      </p:sp>
-    </p:spTree>
-    <p:extLst>
-      <p:ext uri="{BB962C8B-B14F-4D97-AF65-F5344CB8AC3E}">
-        <p14:creationId xmlns="" xmlns:p14="http://schemas.microsoft.com/office/powerpoint/2010/main" val="585015999"/>
-      </p:ext>
-    </p:extLst>
-  </p:cSld>
-  <p:clrMapOvr>
-    <a:masterClrMapping/>
-  </p:clrMapOvr>
-  <p:timing>
-    <p:tnLst>
-      <p:par>
-        <p:cTn id="1" dur="indefinite" restart="never" nodeType="tmRoot"/>
-      </p:par>
-    </p:tnLst>
-  </p:timing>
-</p:sld>
-</file>
-
-<file path=ppt/slides/slide4.xml><?xml version="1.0" encoding="utf-8"?>
-<p:sld xmlns:a="http://schemas.openxmlformats.org/drawingml/2006/main" xmlns:r="http://schemas.openxmlformats.org/officeDocument/2006/relationships" xmlns:p="http://schemas.openxmlformats.org/presentationml/2006/main">
-  <p:cSld>
-    <p:spTree>
-      <p:nvGrpSpPr>
-        <p:cNvPr id="1" name=""/>
-        <p:cNvGrpSpPr/>
-        <p:nvPr/>
-      </p:nvGrpSpPr>
-      <p:grpSpPr>
-        <a:xfrm>
-          <a:off x="0" y="0"/>
-          <a:ext cx="0" cy="0"/>
-          <a:chOff x="0" y="0"/>
-          <a:chExt cx="0" cy="0"/>
-        </a:xfrm>
-      </p:grpSpPr>
-      <p:sp>
-        <p:nvSpPr>
           <p:cNvPr id="6" name="TextBox 5">
             <a:extLst>
               <a:ext uri="{FF2B5EF4-FFF2-40B4-BE49-F238E27FC236}">
-                <a16:creationId xmlns="" xmlns:a16="http://schemas.microsoft.com/office/drawing/2014/main" id="{4FE09D13-9B65-4D5F-AD52-4D391F0966F6}"/>
+                <a16:creationId xmlns:a16="http://schemas.microsoft.com/office/drawing/2014/main" xmlns="" id="{4FE09D13-9B65-4D5F-AD52-4D391F0966F6}"/>
               </a:ext>
             </a:extLst>
           </p:cNvPr>
@@ -4388,11 +3951,7 @@
             </a:pPr>
             <a:r>
               <a:rPr lang="en-US" sz="2400" dirty="0" smtClean="0"/>
-              <a:t>AWS Identity and Access Management (IAM) is a web service that helps you securely control access to AWS resources</a:t>
-            </a:r>
-            <a:r>
-              <a:rPr lang="en-US" sz="2400" dirty="0" smtClean="0"/>
-              <a:t>.</a:t>
+              <a:t>AWS Identity and Access Management (IAM) is a web service that helps you securely control access to AWS resources.</a:t>
             </a:r>
           </a:p>
           <a:p>
@@ -4408,7 +3967,6 @@
               <a:rPr lang="en-US" sz="2400" dirty="0" smtClean="0"/>
               <a:t>With IAM, you can centrally manage permissions that control which AWS resources users can access. You use IAM to control who is authenticated (signed in) and authorized (has permissions) to use resources.</a:t>
             </a:r>
-            <a:endParaRPr lang="en-US" sz="2400" dirty="0" smtClean="0"/>
           </a:p>
           <a:p>
             <a:pPr algn="just">
@@ -4433,7 +3991,7 @@
           <p:cNvPr id="7" name="Title 6">
             <a:extLst>
               <a:ext uri="{FF2B5EF4-FFF2-40B4-BE49-F238E27FC236}">
-                <a16:creationId xmlns="" xmlns:a16="http://schemas.microsoft.com/office/drawing/2014/main" id="{5156AE7B-2879-4D3E-84F4-FE2E8D0D8B05}"/>
+                <a16:creationId xmlns:a16="http://schemas.microsoft.com/office/drawing/2014/main" xmlns="" id="{5156AE7B-2879-4D3E-84F4-FE2E8D0D8B05}"/>
               </a:ext>
             </a:extLst>
           </p:cNvPr>
@@ -4485,26 +4043,7 @@
                 <a:ea typeface="Calibri" panose="020F0502020204030204" pitchFamily="34" charset="0"/>
                 <a:cs typeface="Times New Roman" panose="02020603050405020304" pitchFamily="18" charset="0"/>
               </a:rPr>
-              <a:t>What is </a:t>
-            </a:r>
-            <a:r>
-              <a:rPr lang="en-IN" sz="5400" b="1" dirty="0" smtClean="0">
-                <a:ln w="28575">
-                  <a:solidFill>
-                    <a:schemeClr val="accent1">
-                      <a:lumMod val="50000"/>
-                    </a:schemeClr>
-                  </a:solidFill>
-                </a:ln>
-                <a:solidFill>
-                  <a:schemeClr val="bg1"/>
-                </a:solidFill>
-                <a:effectLst/>
-                <a:latin typeface="Algerian" panose="04020705040A02060702" pitchFamily="82" charset="0"/>
-                <a:ea typeface="Calibri" panose="020F0502020204030204" pitchFamily="34" charset="0"/>
-                <a:cs typeface="Times New Roman" panose="02020603050405020304" pitchFamily="18" charset="0"/>
-              </a:rPr>
-              <a:t>IAM?</a:t>
+              <a:t>What is IAM?</a:t>
             </a:r>
             <a:endParaRPr lang="en-IN" sz="5400" dirty="0">
               <a:ln w="28575">
@@ -4552,7 +4091,7 @@
     </p:spTree>
     <p:extLst>
       <p:ext uri="{BB962C8B-B14F-4D97-AF65-F5344CB8AC3E}">
-        <p14:creationId xmlns="" xmlns:p14="http://schemas.microsoft.com/office/powerpoint/2010/main" val="4133511512"/>
+        <p14:creationId xmlns:p14="http://schemas.microsoft.com/office/powerpoint/2010/main" xmlns="" val="4133511512"/>
       </p:ext>
     </p:extLst>
   </p:cSld>
@@ -4714,7 +4253,7 @@
 </p:sld>
 </file>
 
-<file path=ppt/slides/slide5.xml><?xml version="1.0" encoding="utf-8"?>
+<file path=ppt/slides/slide4.xml><?xml version="1.0" encoding="utf-8"?>
 <p:sld xmlns:a="http://schemas.openxmlformats.org/drawingml/2006/main" xmlns:r="http://schemas.openxmlformats.org/officeDocument/2006/relationships" xmlns:p="http://schemas.openxmlformats.org/presentationml/2006/main" showMasterSp="0">
   <p:cSld>
     <p:spTree>
@@ -4758,7 +4297,7 @@
     </p:spTree>
     <p:extLst>
       <p:ext uri="{BB962C8B-B14F-4D97-AF65-F5344CB8AC3E}">
-        <p14:creationId xmlns="" xmlns:p14="http://schemas.microsoft.com/office/powerpoint/2010/main" val="446407478"/>
+        <p14:creationId xmlns:p14="http://schemas.microsoft.com/office/powerpoint/2010/main" xmlns="" val="446407478"/>
       </p:ext>
     </p:extLst>
   </p:cSld>
@@ -4775,7 +4314,7 @@
 </p:sld>
 </file>
 
-<file path=ppt/slides/slide6.xml><?xml version="1.0" encoding="utf-8"?>
+<file path=ppt/slides/slide5.xml><?xml version="1.0" encoding="utf-8"?>
 <p:sld xmlns:a="http://schemas.openxmlformats.org/drawingml/2006/main" xmlns:r="http://schemas.openxmlformats.org/officeDocument/2006/relationships" xmlns:p="http://schemas.openxmlformats.org/presentationml/2006/main">
   <p:cSld>
     <p:spTree>
@@ -4797,7 +4336,7 @@
           <p:cNvPr id="6" name="TextBox 5">
             <a:extLst>
               <a:ext uri="{FF2B5EF4-FFF2-40B4-BE49-F238E27FC236}">
-                <a16:creationId xmlns="" xmlns:a16="http://schemas.microsoft.com/office/drawing/2014/main" id="{ED1E1237-A448-408E-B5D6-D8369236416B}"/>
+                <a16:creationId xmlns:a16="http://schemas.microsoft.com/office/drawing/2014/main" xmlns="" id="{ED1E1237-A448-408E-B5D6-D8369236416B}"/>
               </a:ext>
             </a:extLst>
           </p:cNvPr>
@@ -4856,7 +4395,7 @@
           <p:cNvPr id="8" name="TextBox 7">
             <a:extLst>
               <a:ext uri="{FF2B5EF4-FFF2-40B4-BE49-F238E27FC236}">
-                <a16:creationId xmlns="" xmlns:a16="http://schemas.microsoft.com/office/drawing/2014/main" id="{949EF0AF-964C-4D82-BF5B-311F6AF6801A}"/>
+                <a16:creationId xmlns:a16="http://schemas.microsoft.com/office/drawing/2014/main" xmlns="" id="{949EF0AF-964C-4D82-BF5B-311F6AF6801A}"/>
               </a:ext>
             </a:extLst>
           </p:cNvPr>
@@ -5184,7 +4723,7 @@
     </p:spTree>
     <p:extLst>
       <p:ext uri="{BB962C8B-B14F-4D97-AF65-F5344CB8AC3E}">
-        <p14:creationId xmlns="" xmlns:p14="http://schemas.microsoft.com/office/powerpoint/2010/main" val="446407478"/>
+        <p14:creationId xmlns:p14="http://schemas.microsoft.com/office/powerpoint/2010/main" xmlns="" val="446407478"/>
       </p:ext>
     </p:extLst>
   </p:cSld>
@@ -5616,7 +5155,7 @@
 </p:sld>
 </file>
 
-<file path=ppt/slides/slide7.xml><?xml version="1.0" encoding="utf-8"?>
+<file path=ppt/slides/slide6.xml><?xml version="1.0" encoding="utf-8"?>
 <p:sld xmlns:a="http://schemas.openxmlformats.org/drawingml/2006/main" xmlns:r="http://schemas.openxmlformats.org/officeDocument/2006/relationships" xmlns:p="http://schemas.openxmlformats.org/presentationml/2006/main">
   <p:cSld>
     <p:spTree>
@@ -5672,7 +5211,7 @@
 </p:sld>
 </file>
 
-<file path=ppt/slides/slide8.xml><?xml version="1.0" encoding="utf-8"?>
+<file path=ppt/slides/slide7.xml><?xml version="1.0" encoding="utf-8"?>
 <p:sld xmlns:a="http://schemas.openxmlformats.org/drawingml/2006/main" xmlns:r="http://schemas.openxmlformats.org/officeDocument/2006/relationships" xmlns:p="http://schemas.openxmlformats.org/presentationml/2006/main">
   <p:cSld>
     <p:spTree>
@@ -5694,7 +5233,7 @@
           <p:cNvPr id="6" name="TextBox 5">
             <a:extLst>
               <a:ext uri="{FF2B5EF4-FFF2-40B4-BE49-F238E27FC236}">
-                <a16:creationId xmlns="" xmlns:a16="http://schemas.microsoft.com/office/drawing/2014/main" id="{ED1E1237-A448-408E-B5D6-D8369236416B}"/>
+                <a16:creationId xmlns:a16="http://schemas.microsoft.com/office/drawing/2014/main" xmlns="" id="{ED1E1237-A448-408E-B5D6-D8369236416B}"/>
               </a:ext>
             </a:extLst>
           </p:cNvPr>
@@ -5753,7 +5292,7 @@
           <p:cNvPr id="8" name="TextBox 7">
             <a:extLst>
               <a:ext uri="{FF2B5EF4-FFF2-40B4-BE49-F238E27FC236}">
-                <a16:creationId xmlns="" xmlns:a16="http://schemas.microsoft.com/office/drawing/2014/main" id="{949EF0AF-964C-4D82-BF5B-311F6AF6801A}"/>
+                <a16:creationId xmlns:a16="http://schemas.microsoft.com/office/drawing/2014/main" xmlns="" id="{949EF0AF-964C-4D82-BF5B-311F6AF6801A}"/>
               </a:ext>
             </a:extLst>
           </p:cNvPr>
@@ -5805,17 +5344,8 @@
             </a:pPr>
             <a:r>
               <a:rPr lang="en-US" sz="2400" dirty="0" smtClean="0"/>
-              <a:t> It is</a:t>
-            </a:r>
-            <a:r>
-              <a:rPr lang="en-US" sz="2400" dirty="0" smtClean="0"/>
-              <a:t> </a:t>
-            </a:r>
-            <a:r>
-              <a:rPr lang="en-US" sz="2400" dirty="0" smtClean="0"/>
-              <a:t>object-based storage, where data is stored inside S3 buckets in distinct units called objects instead of files. </a:t>
-            </a:r>
-            <a:endParaRPr lang="en-US" sz="2400" dirty="0" smtClean="0"/>
+              <a:t> It is object-based storage, where data is stored inside S3 buckets in distinct units called objects instead of files. </a:t>
+            </a:r>
           </a:p>
           <a:p>
             <a:pPr>
@@ -5832,7 +5362,6 @@
               <a:rPr lang="en-US" sz="2400" dirty="0" smtClean="0"/>
               <a:t> The allows to upload files.</a:t>
             </a:r>
-            <a:endParaRPr lang="en-US" sz="2400" dirty="0" smtClean="0"/>
           </a:p>
           <a:p>
             <a:pPr>
@@ -5891,11 +5420,7 @@
             </a:pPr>
             <a:r>
               <a:rPr lang="en-IN" sz="2400" dirty="0" smtClean="0"/>
-              <a:t> Files are stored in </a:t>
-            </a:r>
-            <a:r>
-              <a:rPr lang="en-IN" sz="2400" dirty="0" smtClean="0"/>
-              <a:t>buckets</a:t>
+              <a:t> Files are stored in buckets</a:t>
             </a:r>
           </a:p>
           <a:p>
@@ -5951,7 +5476,7 @@
     </p:spTree>
     <p:extLst>
       <p:ext uri="{BB962C8B-B14F-4D97-AF65-F5344CB8AC3E}">
-        <p14:creationId xmlns="" xmlns:p14="http://schemas.microsoft.com/office/powerpoint/2010/main" val="446407478"/>
+        <p14:creationId xmlns:p14="http://schemas.microsoft.com/office/powerpoint/2010/main" xmlns="" val="446407478"/>
       </p:ext>
     </p:extLst>
   </p:cSld>
@@ -6334,6 +5859,175 @@
 </p:sld>
 </file>
 
+<file path=ppt/slides/slide8.xml><?xml version="1.0" encoding="utf-8"?>
+<p:sld xmlns:a="http://schemas.openxmlformats.org/drawingml/2006/main" xmlns:r="http://schemas.openxmlformats.org/officeDocument/2006/relationships" xmlns:p="http://schemas.openxmlformats.org/presentationml/2006/main">
+  <p:cSld>
+    <p:spTree>
+      <p:nvGrpSpPr>
+        <p:cNvPr id="1" name=""/>
+        <p:cNvGrpSpPr/>
+        <p:nvPr/>
+      </p:nvGrpSpPr>
+      <p:grpSpPr>
+        <a:xfrm>
+          <a:off x="0" y="0"/>
+          <a:ext cx="0" cy="0"/>
+          <a:chOff x="0" y="0"/>
+          <a:chExt cx="0" cy="0"/>
+        </a:xfrm>
+      </p:grpSpPr>
+      <p:sp>
+        <p:nvSpPr>
+          <p:cNvPr id="2" name="Title 1"/>
+          <p:cNvSpPr>
+            <a:spLocks noGrp="1"/>
+          </p:cNvSpPr>
+          <p:nvPr>
+            <p:ph type="title"/>
+          </p:nvPr>
+        </p:nvSpPr>
+        <p:spPr>
+          <a:xfrm>
+            <a:off x="838200" y="365125"/>
+            <a:ext cx="10515600" cy="849721"/>
+          </a:xfrm>
+        </p:spPr>
+        <p:txBody>
+          <a:bodyPr>
+            <a:normAutofit fontScale="90000"/>
+          </a:bodyPr>
+          <a:lstStyle/>
+          <a:p>
+            <a:r>
+              <a:rPr lang="en-IN" b="1" u="sng" dirty="0" smtClean="0">
+                <a:solidFill>
+                  <a:schemeClr val="accent2"/>
+                </a:solidFill>
+                <a:latin typeface="Georgia Pro Cond Black" panose="02040A06050405020203" pitchFamily="18" charset="0"/>
+                <a:ea typeface="Times New Roman" panose="02020603050405020304" pitchFamily="18" charset="0"/>
+                <a:cs typeface="Times New Roman" panose="02020603050405020304" pitchFamily="18" charset="0"/>
+              </a:rPr>
+              <a:t>How does data consistency work for S3?</a:t>
+            </a:r>
+            <a:br>
+              <a:rPr lang="en-IN" b="1" u="sng" dirty="0" smtClean="0">
+                <a:solidFill>
+                  <a:schemeClr val="accent2"/>
+                </a:solidFill>
+                <a:latin typeface="Georgia Pro Cond Black" panose="02040A06050405020203" pitchFamily="18" charset="0"/>
+                <a:ea typeface="Times New Roman" panose="02020603050405020304" pitchFamily="18" charset="0"/>
+                <a:cs typeface="Times New Roman" panose="02020603050405020304" pitchFamily="18" charset="0"/>
+              </a:rPr>
+            </a:br>
+            <a:endParaRPr lang="en-US" dirty="0"/>
+          </a:p>
+        </p:txBody>
+      </p:sp>
+      <p:sp>
+        <p:nvSpPr>
+          <p:cNvPr id="3" name="Content Placeholder 2"/>
+          <p:cNvSpPr>
+            <a:spLocks noGrp="1"/>
+          </p:cNvSpPr>
+          <p:nvPr>
+            <p:ph idx="1"/>
+          </p:nvPr>
+        </p:nvSpPr>
+        <p:spPr>
+          <a:xfrm>
+            <a:off x="890451" y="1371599"/>
+            <a:ext cx="10515600" cy="3944984"/>
+          </a:xfrm>
+        </p:spPr>
+        <p:txBody>
+          <a:bodyPr>
+            <a:normAutofit fontScale="77500" lnSpcReduction="20000"/>
+          </a:bodyPr>
+          <a:lstStyle/>
+          <a:p>
+            <a:r>
+              <a:rPr lang="en-IN" dirty="0" smtClean="0"/>
+              <a:t>Read after Write consistency for PUTS of new objects</a:t>
+            </a:r>
+          </a:p>
+          <a:p>
+            <a:pPr>
+              <a:buNone/>
+            </a:pPr>
+            <a:r>
+              <a:rPr lang="en-IN" dirty="0" smtClean="0"/>
+              <a:t>In other words;</a:t>
+            </a:r>
+          </a:p>
+          <a:p>
+            <a:pPr>
+              <a:buNone/>
+            </a:pPr>
+            <a:r>
+              <a:rPr lang="en-IN" dirty="0" smtClean="0"/>
+              <a:t>   If </a:t>
+            </a:r>
+            <a:r>
+              <a:rPr lang="en-IN" dirty="0" smtClean="0"/>
+              <a:t>you write a new file and read it immediately afterwards, you will be able to view that data. </a:t>
+            </a:r>
+          </a:p>
+          <a:p>
+            <a:endParaRPr lang="en-IN" dirty="0" smtClean="0"/>
+          </a:p>
+          <a:p>
+            <a:r>
+              <a:rPr lang="en-IN" dirty="0" smtClean="0"/>
+              <a:t>Eventually consistency for overwrite PUTS and DELETES (can take some time to propagate</a:t>
+            </a:r>
+            <a:r>
+              <a:rPr lang="en-IN" dirty="0" smtClean="0"/>
+              <a:t>)</a:t>
+            </a:r>
+          </a:p>
+          <a:p>
+            <a:endParaRPr lang="en-IN" dirty="0" smtClean="0"/>
+          </a:p>
+          <a:p>
+            <a:pPr>
+              <a:buNone/>
+            </a:pPr>
+            <a:r>
+              <a:rPr lang="en-IN" dirty="0" smtClean="0"/>
+              <a:t>In other words;</a:t>
+            </a:r>
+          </a:p>
+          <a:p>
+            <a:pPr>
+              <a:buNone/>
+            </a:pPr>
+            <a:r>
+              <a:rPr lang="en-IN" dirty="0" smtClean="0"/>
+              <a:t>   </a:t>
+            </a:r>
+            <a:r>
+              <a:rPr lang="en-IN" dirty="0" smtClean="0"/>
+              <a:t>If you update An Existing File or delete a file and read it immediately, you my get an older version, or you may not. Basically changes to objects can take a little bit of time to propagate. </a:t>
+            </a:r>
+            <a:endParaRPr lang="en-US" dirty="0"/>
+          </a:p>
+        </p:txBody>
+      </p:sp>
+    </p:spTree>
+  </p:cSld>
+  <p:clrMapOvr>
+    <a:masterClrMapping/>
+  </p:clrMapOvr>
+  <p:timing>
+    <p:tnLst>
+      <p:par>
+        <p:cTn id="1" dur="indefinite" restart="never" nodeType="tmRoot"/>
+      </p:par>
+    </p:tnLst>
+  </p:timing>
+</p:sld>
+</file>
+
 <file path=ppt/slides/slide9.xml><?xml version="1.0" encoding="utf-8"?>
 <p:sld xmlns:a="http://schemas.openxmlformats.org/drawingml/2006/main" xmlns:r="http://schemas.openxmlformats.org/officeDocument/2006/relationships" xmlns:p="http://schemas.openxmlformats.org/presentationml/2006/main">
   <p:cSld>
@@ -6364,7 +6058,7 @@
         <p:spPr>
           <a:xfrm>
             <a:off x="838200" y="365125"/>
-            <a:ext cx="10515600" cy="849721"/>
+            <a:ext cx="10515600" cy="823595"/>
           </a:xfrm>
         </p:spPr>
         <p:txBody>
@@ -6382,18 +6076,7 @@
                 <a:ea typeface="Times New Roman" panose="02020603050405020304" pitchFamily="18" charset="0"/>
                 <a:cs typeface="Times New Roman" panose="02020603050405020304" pitchFamily="18" charset="0"/>
               </a:rPr>
-              <a:t>How does data consistency work for S3?</a:t>
-            </a:r>
-            <a:r>
-              <a:rPr lang="en-IN" b="1" u="sng" dirty="0" smtClean="0">
-                <a:solidFill>
-                  <a:schemeClr val="accent2"/>
-                </a:solidFill>
-                <a:latin typeface="Georgia Pro Cond Black" panose="02040A06050405020203" pitchFamily="18" charset="0"/>
-                <a:ea typeface="Times New Roman" panose="02020603050405020304" pitchFamily="18" charset="0"/>
-                <a:cs typeface="Times New Roman" panose="02020603050405020304" pitchFamily="18" charset="0"/>
-              </a:rPr>
-              <a:t/>
+              <a:t>S3 features:</a:t>
             </a:r>
             <a:br>
               <a:rPr lang="en-IN" b="1" u="sng" dirty="0" smtClean="0">
@@ -6411,7 +6094,7 @@
       </p:sp>
       <p:sp>
         <p:nvSpPr>
-          <p:cNvPr id="3" name="Content Placeholder 2"/>
+          <p:cNvPr id="7" name="Content Placeholder 2"/>
           <p:cNvSpPr>
             <a:spLocks noGrp="1"/>
           </p:cNvSpPr>
@@ -6421,47 +6104,50 @@
         </p:nvSpPr>
         <p:spPr>
           <a:xfrm>
-            <a:off x="890451" y="1371599"/>
-            <a:ext cx="10515600" cy="3056710"/>
+            <a:off x="838200" y="1188720"/>
+            <a:ext cx="10515600" cy="4988243"/>
           </a:xfrm>
         </p:spPr>
         <p:txBody>
-          <a:bodyPr>
-            <a:normAutofit/>
-          </a:bodyPr>
+          <a:bodyPr/>
           <a:lstStyle/>
           <a:p>
             <a:r>
               <a:rPr lang="en-IN" dirty="0" smtClean="0"/>
-              <a:t>Read after </a:t>
-            </a:r>
+              <a:t>Tiered Storage Available</a:t>
+            </a:r>
+          </a:p>
+          <a:p>
             <a:r>
               <a:rPr lang="en-IN" dirty="0" smtClean="0"/>
-              <a:t>W</a:t>
-            </a:r>
+              <a:t>Lifecycle Management</a:t>
+            </a:r>
+          </a:p>
+          <a:p>
             <a:r>
               <a:rPr lang="en-IN" dirty="0" smtClean="0"/>
-              <a:t>rite consistency for PUTS of new objects</a:t>
-            </a:r>
-          </a:p>
-          <a:p>
-            <a:endParaRPr lang="en-IN" dirty="0" smtClean="0"/>
-          </a:p>
-          <a:p>
-            <a:endParaRPr lang="en-IN" dirty="0" smtClean="0"/>
+              <a:t>Versioning</a:t>
+            </a:r>
           </a:p>
           <a:p>
             <a:r>
               <a:rPr lang="en-IN" dirty="0" smtClean="0"/>
-              <a:t>Eventually consistency for overwrite PUTS and DELETES (can take some time to propagate)</a:t>
-            </a:r>
+              <a:t>Encryption</a:t>
+            </a:r>
+          </a:p>
+          <a:p>
             <a:r>
               <a:rPr lang="en-IN" dirty="0" smtClean="0"/>
-              <a:t/>
-            </a:r>
-            <a:br>
+              <a:t>MFA delete</a:t>
+            </a:r>
+          </a:p>
+          <a:p>
+            <a:r>
               <a:rPr lang="en-IN" dirty="0" smtClean="0"/>
-            </a:br>
+              <a:t>Secure your data using Access Control List and Bucket Policies</a:t>
+            </a:r>
+          </a:p>
+          <a:p>
             <a:endParaRPr lang="en-US" dirty="0"/>
           </a:p>
         </p:txBody>
@@ -6736,7 +6422,7 @@
   <a:extraClrSchemeLst/>
   <a:extLst>
     <a:ext uri="{05A4C25C-085E-4340-85A3-A5531E510DB2}">
-      <thm15:themeFamily xmlns="" xmlns:thm15="http://schemas.microsoft.com/office/thememl/2012/main" name="Office Theme" id="{62F939B6-93AF-4DB8-9C6B-D6C7DFDC589F}" vid="{4A3C46E8-61CC-4603-A589-7422A47A8E4A}"/>
+      <thm15:themeFamily xmlns:thm15="http://schemas.microsoft.com/office/thememl/2012/main" xmlns="" name="Office Theme" id="{62F939B6-93AF-4DB8-9C6B-D6C7DFDC589F}" vid="{4A3C46E8-61CC-4603-A589-7422A47A8E4A}"/>
     </a:ext>
   </a:extLst>
 </a:theme>
